--- a/tutorial_material/Cluster_Tutorial_Slides.pptx
+++ b/tutorial_material/Cluster_Tutorial_Slides.pptx
@@ -154,7 +154,7 @@
               <a:rPr b="0" lang="en-US" sz="1400" spc="-1" strike="noStrike">
                 <a:latin typeface="Times New Roman"/>
               </a:rPr>
-              <a:t>&lt;header&gt;</a:t>
+              <a:t> </a:t>
             </a:r>
             <a:endParaRPr b="0" lang="en-US" sz="1400" spc="-1" strike="noStrike">
               <a:latin typeface="Times New Roman"/>
@@ -189,7 +189,7 @@
               <a:rPr b="0" lang="en-US" sz="1400" spc="-1" strike="noStrike">
                 <a:latin typeface="Times New Roman"/>
               </a:rPr>
-              <a:t>&lt;date/time&gt;</a:t>
+              <a:t> </a:t>
             </a:r>
             <a:endParaRPr b="0" lang="en-US" sz="1400" spc="-1" strike="noStrike">
               <a:latin typeface="Times New Roman"/>
@@ -223,7 +223,7 @@
               <a:rPr b="0" lang="en-US" sz="1400" spc="-1" strike="noStrike">
                 <a:latin typeface="Times New Roman"/>
               </a:rPr>
-              <a:t>&lt;footer&gt;</a:t>
+              <a:t> </a:t>
             </a:r>
             <a:endParaRPr b="0" lang="en-US" sz="1400" spc="-1" strike="noStrike">
               <a:latin typeface="Times New Roman"/>
@@ -254,11 +254,11 @@
           <a:bodyPr lIns="0" rIns="0" tIns="0" bIns="0" anchor="b"/>
           <a:p>
             <a:pPr algn="r"/>
-            <a:fld id="{4090B790-836D-443B-AF14-17594A6C9061}" type="slidenum">
+            <a:fld id="{91AC0949-E403-4156-BA6F-4824597552DF}" type="slidenum">
               <a:rPr b="0" lang="en-US" sz="1400" spc="-1" strike="noStrike">
                 <a:latin typeface="Times New Roman"/>
               </a:rPr>
-              <a:t>&lt;number&gt;</a:t>
+              <a:t>1</a:t>
             </a:fld>
             <a:endParaRPr b="0" lang="en-US" sz="1400" spc="-1" strike="noStrike">
               <a:latin typeface="Times New Roman"/>
@@ -291,7 +291,7 @@
       </p:grpSpPr>
       <p:sp>
         <p:nvSpPr>
-          <p:cNvPr id="203" name="PlaceHolder 1"/>
+          <p:cNvPr id="204" name="PlaceHolder 1"/>
           <p:cNvSpPr>
             <a:spLocks noGrp="1"/>
           </p:cNvSpPr>
@@ -364,7 +364,7 @@
       </p:sp>
       <p:sp>
         <p:nvSpPr>
-          <p:cNvPr id="204" name="PlaceHolder 2"/>
+          <p:cNvPr id="205" name="PlaceHolder 2"/>
           <p:cNvSpPr>
             <a:spLocks noGrp="1"/>
           </p:cNvSpPr>
@@ -5553,7 +5553,7 @@
       </p:grpSpPr>
       <p:sp>
         <p:nvSpPr>
-          <p:cNvPr id="152" name="CustomShape 1"/>
+          <p:cNvPr id="153" name="CustomShape 1"/>
           <p:cNvSpPr/>
           <p:nvPr/>
         </p:nvSpPr>
@@ -5602,7 +5602,7 @@
       </p:sp>
       <p:sp>
         <p:nvSpPr>
-          <p:cNvPr id="153" name="CustomShape 2"/>
+          <p:cNvPr id="154" name="CustomShape 2"/>
           <p:cNvSpPr/>
           <p:nvPr/>
         </p:nvSpPr>
@@ -5743,7 +5743,7 @@
       </p:sp>
       <p:sp>
         <p:nvSpPr>
-          <p:cNvPr id="154" name="CustomShape 3"/>
+          <p:cNvPr id="155" name="CustomShape 3"/>
           <p:cNvSpPr/>
           <p:nvPr/>
         </p:nvSpPr>
@@ -5774,7 +5774,7 @@
                 <a:spcPct val="100000"/>
               </a:lnSpc>
             </a:pPr>
-            <a:fld id="{78C9F566-0554-4556-BF4C-48729DC97080}" type="slidenum">
+            <a:fld id="{B29058E2-E23D-46C1-B626-05639713EEE1}" type="slidenum">
               <a:rPr b="0" lang="en-US" sz="900" spc="-1" strike="noStrike">
                 <a:solidFill>
                   <a:srgbClr val="ffffff"/>
@@ -5841,7 +5841,7 @@
       </p:grpSpPr>
       <p:sp>
         <p:nvSpPr>
-          <p:cNvPr id="155" name="CustomShape 1"/>
+          <p:cNvPr id="156" name="CustomShape 1"/>
           <p:cNvSpPr/>
           <p:nvPr/>
         </p:nvSpPr>
@@ -5890,7 +5890,7 @@
       </p:sp>
       <p:sp>
         <p:nvSpPr>
-          <p:cNvPr id="156" name="CustomShape 2"/>
+          <p:cNvPr id="157" name="CustomShape 2"/>
           <p:cNvSpPr/>
           <p:nvPr/>
         </p:nvSpPr>
@@ -6061,7 +6061,7 @@
       </p:sp>
       <p:sp>
         <p:nvSpPr>
-          <p:cNvPr id="157" name="CustomShape 3"/>
+          <p:cNvPr id="158" name="CustomShape 3"/>
           <p:cNvSpPr/>
           <p:nvPr/>
         </p:nvSpPr>
@@ -6092,7 +6092,7 @@
                 <a:spcPct val="100000"/>
               </a:lnSpc>
             </a:pPr>
-            <a:fld id="{EF9D3773-B75B-45B1-AC19-3B6E3AD20E83}" type="slidenum">
+            <a:fld id="{FE0200B6-3B8D-46AE-9CE3-6C97AE6E62C6}" type="slidenum">
               <a:rPr b="0" lang="en-US" sz="900" spc="-1" strike="noStrike">
                 <a:solidFill>
                   <a:srgbClr val="ffffff"/>
@@ -6159,7 +6159,7 @@
       </p:grpSpPr>
       <p:sp>
         <p:nvSpPr>
-          <p:cNvPr id="158" name="CustomShape 1"/>
+          <p:cNvPr id="159" name="CustomShape 1"/>
           <p:cNvSpPr/>
           <p:nvPr/>
         </p:nvSpPr>
@@ -6208,7 +6208,7 @@
       </p:sp>
       <p:sp>
         <p:nvSpPr>
-          <p:cNvPr id="159" name="CustomShape 2"/>
+          <p:cNvPr id="160" name="CustomShape 2"/>
           <p:cNvSpPr/>
           <p:nvPr/>
         </p:nvSpPr>
@@ -6239,7 +6239,7 @@
                 <a:spcPct val="100000"/>
               </a:lnSpc>
             </a:pPr>
-            <a:fld id="{74C11637-A65C-46DC-95E4-5651853B8A97}" type="slidenum">
+            <a:fld id="{3378E4E5-CA15-4824-8340-2D8F6FFF3B8F}" type="slidenum">
               <a:rPr b="0" lang="en-US" sz="900" spc="-1" strike="noStrike">
                 <a:solidFill>
                   <a:srgbClr val="ffffff"/>
@@ -6257,7 +6257,7 @@
       </p:sp>
       <p:pic>
         <p:nvPicPr>
-          <p:cNvPr id="160" name="" descr=""/>
+          <p:cNvPr id="161" name="" descr=""/>
           <p:cNvPicPr/>
           <p:nvPr/>
         </p:nvPicPr>
@@ -6329,7 +6329,7 @@
       </p:grpSpPr>
       <p:sp>
         <p:nvSpPr>
-          <p:cNvPr id="161" name="CustomShape 1"/>
+          <p:cNvPr id="162" name="CustomShape 1"/>
           <p:cNvSpPr/>
           <p:nvPr/>
         </p:nvSpPr>
@@ -6378,7 +6378,7 @@
       </p:sp>
       <p:sp>
         <p:nvSpPr>
-          <p:cNvPr id="162" name="CustomShape 2"/>
+          <p:cNvPr id="163" name="CustomShape 2"/>
           <p:cNvSpPr/>
           <p:nvPr/>
         </p:nvSpPr>
@@ -6532,7 +6532,7 @@
       </p:sp>
       <p:sp>
         <p:nvSpPr>
-          <p:cNvPr id="163" name="CustomShape 3"/>
+          <p:cNvPr id="164" name="CustomShape 3"/>
           <p:cNvSpPr/>
           <p:nvPr/>
         </p:nvSpPr>
@@ -6563,7 +6563,7 @@
                 <a:spcPct val="100000"/>
               </a:lnSpc>
             </a:pPr>
-            <a:fld id="{CB32CECF-4E91-4EA0-80F0-E3EF6C0C7389}" type="slidenum">
+            <a:fld id="{4C3C88DA-82A6-4007-8FEC-D962F511EF32}" type="slidenum">
               <a:rPr b="0" lang="en-US" sz="900" spc="-1" strike="noStrike">
                 <a:solidFill>
                   <a:srgbClr val="ffffff"/>
@@ -6630,7 +6630,7 @@
       </p:grpSpPr>
       <p:sp>
         <p:nvSpPr>
-          <p:cNvPr id="164" name="CustomShape 1"/>
+          <p:cNvPr id="165" name="CustomShape 1"/>
           <p:cNvSpPr/>
           <p:nvPr/>
         </p:nvSpPr>
@@ -6679,7 +6679,7 @@
       </p:sp>
       <p:sp>
         <p:nvSpPr>
-          <p:cNvPr id="165" name="CustomShape 2"/>
+          <p:cNvPr id="166" name="CustomShape 2"/>
           <p:cNvSpPr/>
           <p:nvPr/>
         </p:nvSpPr>
@@ -6861,7 +6861,7 @@
       </p:sp>
       <p:sp>
         <p:nvSpPr>
-          <p:cNvPr id="166" name="CustomShape 3"/>
+          <p:cNvPr id="167" name="CustomShape 3"/>
           <p:cNvSpPr/>
           <p:nvPr/>
         </p:nvSpPr>
@@ -6892,7 +6892,7 @@
                 <a:spcPct val="100000"/>
               </a:lnSpc>
             </a:pPr>
-            <a:fld id="{B4F80BB8-A0A2-407E-8CFA-19C92FE7CB5F}" type="slidenum">
+            <a:fld id="{7D59CFF1-1115-41DA-865F-33422FD5D936}" type="slidenum">
               <a:rPr b="0" lang="en-US" sz="900" spc="-1" strike="noStrike">
                 <a:solidFill>
                   <a:srgbClr val="ffffff"/>
@@ -6959,7 +6959,7 @@
       </p:grpSpPr>
       <p:sp>
         <p:nvSpPr>
-          <p:cNvPr id="167" name="CustomShape 1"/>
+          <p:cNvPr id="168" name="CustomShape 1"/>
           <p:cNvSpPr/>
           <p:nvPr/>
         </p:nvSpPr>
@@ -7008,7 +7008,7 @@
       </p:sp>
       <p:sp>
         <p:nvSpPr>
-          <p:cNvPr id="168" name="CustomShape 2"/>
+          <p:cNvPr id="169" name="CustomShape 2"/>
           <p:cNvSpPr/>
           <p:nvPr/>
         </p:nvSpPr>
@@ -7051,7 +7051,7 @@
                 <a:latin typeface="Calibri"/>
                 <a:ea typeface="DejaVu Sans"/>
               </a:rPr>
-              <a:t>https://github.com/XSEDE/CRI_JS_Cluster_Tutorial</a:t>
+              <a:t>https://github.com/XSEDE/CRI_JS_Cluster_Tutorial/tutorial_material/Walkthrough.md</a:t>
             </a:r>
             <a:endParaRPr b="0" lang="en-US" sz="2800" spc="-1" strike="noStrike">
               <a:latin typeface="Arial"/>
@@ -7094,7 +7094,7 @@
       </p:sp>
       <p:sp>
         <p:nvSpPr>
-          <p:cNvPr id="169" name="CustomShape 3"/>
+          <p:cNvPr id="170" name="CustomShape 3"/>
           <p:cNvSpPr/>
           <p:nvPr/>
         </p:nvSpPr>
@@ -7125,7 +7125,7 @@
                 <a:spcPct val="100000"/>
               </a:lnSpc>
             </a:pPr>
-            <a:fld id="{C1ABFE10-2DEE-4472-841A-864956C36BCD}" type="slidenum">
+            <a:fld id="{AE1AA609-4311-44FE-9DC6-3D3BD25EBD41}" type="slidenum">
               <a:rPr b="0" lang="en-US" sz="900" spc="-1" strike="noStrike">
                 <a:solidFill>
                   <a:srgbClr val="ffffff"/>
@@ -7192,7 +7192,7 @@
       </p:grpSpPr>
       <p:sp>
         <p:nvSpPr>
-          <p:cNvPr id="170" name="CustomShape 1"/>
+          <p:cNvPr id="171" name="CustomShape 1"/>
           <p:cNvSpPr/>
           <p:nvPr/>
         </p:nvSpPr>
@@ -7241,7 +7241,7 @@
       </p:sp>
       <p:sp>
         <p:nvSpPr>
-          <p:cNvPr id="171" name="CustomShape 2"/>
+          <p:cNvPr id="172" name="CustomShape 2"/>
           <p:cNvSpPr/>
           <p:nvPr/>
         </p:nvSpPr>
@@ -7370,7 +7370,7 @@
       </p:sp>
       <p:sp>
         <p:nvSpPr>
-          <p:cNvPr id="172" name="CustomShape 3"/>
+          <p:cNvPr id="173" name="CustomShape 3"/>
           <p:cNvSpPr/>
           <p:nvPr/>
         </p:nvSpPr>
@@ -7401,7 +7401,7 @@
                 <a:spcPct val="100000"/>
               </a:lnSpc>
             </a:pPr>
-            <a:fld id="{98FD7F81-CDAC-4790-AF3B-5D02DBD9719E}" type="slidenum">
+            <a:fld id="{FDD58CBA-CB45-4FFC-93D4-92D71366FDC3}" type="slidenum">
               <a:rPr b="0" lang="en-US" sz="900" spc="-1" strike="noStrike">
                 <a:solidFill>
                   <a:srgbClr val="ffffff"/>
@@ -7468,7 +7468,7 @@
       </p:grpSpPr>
       <p:sp>
         <p:nvSpPr>
-          <p:cNvPr id="173" name="CustomShape 1"/>
+          <p:cNvPr id="174" name="CustomShape 1"/>
           <p:cNvSpPr/>
           <p:nvPr/>
         </p:nvSpPr>
@@ -7517,7 +7517,7 @@
       </p:sp>
       <p:sp>
         <p:nvSpPr>
-          <p:cNvPr id="174" name="CustomShape 2"/>
+          <p:cNvPr id="175" name="CustomShape 2"/>
           <p:cNvSpPr/>
           <p:nvPr/>
         </p:nvSpPr>
@@ -7653,7 +7653,7 @@
       </p:sp>
       <p:sp>
         <p:nvSpPr>
-          <p:cNvPr id="175" name="CustomShape 3"/>
+          <p:cNvPr id="176" name="CustomShape 3"/>
           <p:cNvSpPr/>
           <p:nvPr/>
         </p:nvSpPr>
@@ -7684,7 +7684,7 @@
                 <a:spcPct val="100000"/>
               </a:lnSpc>
             </a:pPr>
-            <a:fld id="{802D707A-C7CE-4468-BC52-55BF238834ED}" type="slidenum">
+            <a:fld id="{E4CBB4B1-B035-440D-9DC2-7A5197FB628C}" type="slidenum">
               <a:rPr b="0" lang="en-US" sz="900" spc="-1" strike="noStrike">
                 <a:solidFill>
                   <a:srgbClr val="ffffff"/>
@@ -7751,7 +7751,7 @@
       </p:grpSpPr>
       <p:sp>
         <p:nvSpPr>
-          <p:cNvPr id="176" name="CustomShape 1"/>
+          <p:cNvPr id="177" name="CustomShape 1"/>
           <p:cNvSpPr/>
           <p:nvPr/>
         </p:nvSpPr>
@@ -7800,7 +7800,7 @@
       </p:sp>
       <p:sp>
         <p:nvSpPr>
-          <p:cNvPr id="177" name="CustomShape 2"/>
+          <p:cNvPr id="178" name="CustomShape 2"/>
           <p:cNvSpPr/>
           <p:nvPr/>
         </p:nvSpPr>
@@ -7954,7 +7954,7 @@
       </p:sp>
       <p:sp>
         <p:nvSpPr>
-          <p:cNvPr id="178" name="CustomShape 3"/>
+          <p:cNvPr id="179" name="CustomShape 3"/>
           <p:cNvSpPr/>
           <p:nvPr/>
         </p:nvSpPr>
@@ -7985,7 +7985,7 @@
                 <a:spcPct val="100000"/>
               </a:lnSpc>
             </a:pPr>
-            <a:fld id="{14DAE820-3DF0-42A6-975B-6BD0A0F725DE}" type="slidenum">
+            <a:fld id="{042E68E1-463D-4ABF-B407-4ADCBF4AE1EB}" type="slidenum">
               <a:rPr b="0" lang="en-US" sz="900" spc="-1" strike="noStrike">
                 <a:solidFill>
                   <a:srgbClr val="ffffff"/>
@@ -8052,7 +8052,7 @@
       </p:grpSpPr>
       <p:sp>
         <p:nvSpPr>
-          <p:cNvPr id="179" name="CustomShape 1"/>
+          <p:cNvPr id="180" name="CustomShape 1"/>
           <p:cNvSpPr/>
           <p:nvPr/>
         </p:nvSpPr>
@@ -8101,7 +8101,7 @@
       </p:sp>
       <p:sp>
         <p:nvSpPr>
-          <p:cNvPr id="180" name="CustomShape 2"/>
+          <p:cNvPr id="181" name="CustomShape 2"/>
           <p:cNvSpPr/>
           <p:nvPr/>
         </p:nvSpPr>
@@ -8255,7 +8255,7 @@
       </p:sp>
       <p:sp>
         <p:nvSpPr>
-          <p:cNvPr id="181" name="CustomShape 3"/>
+          <p:cNvPr id="182" name="CustomShape 3"/>
           <p:cNvSpPr/>
           <p:nvPr/>
         </p:nvSpPr>
@@ -8286,7 +8286,7 @@
                 <a:spcPct val="100000"/>
               </a:lnSpc>
             </a:pPr>
-            <a:fld id="{491C27B1-EC9B-4C05-87A5-48CFB7734284}" type="slidenum">
+            <a:fld id="{BE743839-6180-4363-A4AF-16DF6810254C}" type="slidenum">
               <a:rPr b="0" lang="en-US" sz="900" spc="-1" strike="noStrike">
                 <a:solidFill>
                   <a:srgbClr val="ffffff"/>
@@ -8556,7 +8556,7 @@
                 </a:solidFill>
                 <a:latin typeface="Arial"/>
               </a:rPr>
-              <a:t>Event organizer:  Dina Tandabany (</a:t>
+              <a:t>Event organizer:  [organizer] (</a:t>
             </a:r>
             <a:r>
               <a:rPr b="0" lang="en-US" sz="1800" spc="-1" strike="noStrike" u="sng">
@@ -8566,7 +8566,7 @@
                 <a:uFillTx/>
                 <a:latin typeface="Arial"/>
               </a:rPr>
-              <a:t>dtandabany@cau.edu</a:t>
+              <a:t>[email]</a:t>
             </a:r>
             <a:r>
               <a:rPr b="0" lang="en-US" sz="1800" spc="-1" strike="noStrike">
@@ -8602,7 +8602,7 @@
                 </a:solidFill>
                 <a:latin typeface="Arial"/>
               </a:rPr>
-              <a:t>XSEDE ombudspersons:</a:t>
+              <a:t>[other involved people]:</a:t>
             </a:r>
             <a:endParaRPr b="0" lang="en-US" sz="1800" spc="-1" strike="noStrike">
               <a:latin typeface="Arial"/>
@@ -8629,7 +8629,7 @@
                 </a:solidFill>
                 <a:latin typeface="Arial"/>
               </a:rPr>
-              <a:t>Linda Akli, Southeastern Universities Research Association (</a:t>
+              <a:t>[name], [institution] (</a:t>
             </a:r>
             <a:r>
               <a:rPr b="0" lang="en-US" sz="1800" spc="-1" strike="noStrike" u="sng">
@@ -8638,9 +8638,8 @@
                 </a:solidFill>
                 <a:uFillTx/>
                 <a:latin typeface="Arial"/>
-                <a:hlinkClick r:id="rId2"/>
-              </a:rPr>
-              <a:t>akli@sura.org</a:t>
+              </a:rPr>
+              <a:t>[email]</a:t>
             </a:r>
             <a:r>
               <a:rPr b="0" lang="en-US" sz="1800" spc="-1" strike="noStrike">
@@ -8655,148 +8654,27 @@
               <a:latin typeface="Arial"/>
             </a:endParaRPr>
           </a:p>
-          <a:p>
-            <a:pPr lvl="1" marL="685800" indent="-227880">
-              <a:lnSpc>
-                <a:spcPct val="90000"/>
-              </a:lnSpc>
-              <a:spcBef>
-                <a:spcPts val="499"/>
-              </a:spcBef>
-              <a:buClr>
-                <a:srgbClr val="000000"/>
-              </a:buClr>
-              <a:buFont typeface="Arial"/>
-              <a:buChar char="•"/>
-            </a:pPr>
-            <a:r>
-              <a:rPr b="0" lang="en-US" sz="1800" spc="-1" strike="noStrike">
-                <a:solidFill>
-                  <a:srgbClr val="000000"/>
-                </a:solidFill>
-                <a:latin typeface="Arial"/>
-              </a:rPr>
-              <a:t>Lizanne Destefano, Georgia Tech (</a:t>
-            </a:r>
-            <a:r>
-              <a:rPr b="0" lang="en-US" sz="1800" spc="-1" strike="noStrike" u="sng">
-                <a:solidFill>
-                  <a:srgbClr val="0000ff"/>
-                </a:solidFill>
-                <a:uFillTx/>
-                <a:latin typeface="Arial"/>
-                <a:hlinkClick r:id="rId3"/>
-              </a:rPr>
-              <a:t>lizanne.destefano@ceismc.gatech.edu</a:t>
-            </a:r>
-            <a:r>
-              <a:rPr b="0" lang="en-US" sz="1800" spc="-1" strike="noStrike">
-                <a:solidFill>
-                  <a:srgbClr val="000000"/>
-                </a:solidFill>
-                <a:latin typeface="Arial"/>
-              </a:rPr>
-              <a:t>)</a:t>
-            </a:r>
-            <a:endParaRPr b="0" lang="en-US" sz="1800" spc="-1" strike="noStrike">
-              <a:latin typeface="Arial"/>
-            </a:endParaRPr>
-          </a:p>
-          <a:p>
-            <a:pPr lvl="1" marL="685800" indent="-227880">
-              <a:lnSpc>
-                <a:spcPct val="90000"/>
-              </a:lnSpc>
-              <a:spcBef>
-                <a:spcPts val="499"/>
-              </a:spcBef>
-              <a:buClr>
-                <a:srgbClr val="000000"/>
-              </a:buClr>
-              <a:buFont typeface="Arial"/>
-              <a:buChar char="•"/>
-            </a:pPr>
-            <a:r>
-              <a:rPr b="0" lang="en-US" sz="1800" spc="-1" strike="noStrike">
-                <a:solidFill>
-                  <a:srgbClr val="000000"/>
-                </a:solidFill>
-                <a:latin typeface="Arial"/>
-              </a:rPr>
-              <a:t>Ken Hackworth, Pittsburgh Supercomputing Center (</a:t>
-            </a:r>
-            <a:r>
-              <a:rPr b="0" lang="en-US" sz="1800" spc="-1" strike="noStrike" u="sng">
-                <a:solidFill>
-                  <a:srgbClr val="0000ff"/>
-                </a:solidFill>
-                <a:uFillTx/>
-                <a:latin typeface="Arial"/>
-                <a:hlinkClick r:id="rId4"/>
-              </a:rPr>
-              <a:t>hackworth@psc.edu</a:t>
-            </a:r>
-            <a:r>
-              <a:rPr b="0" lang="en-US" sz="1800" spc="-1" strike="noStrike">
-                <a:solidFill>
-                  <a:srgbClr val="000000"/>
-                </a:solidFill>
-                <a:latin typeface="Arial"/>
-              </a:rPr>
-              <a:t>)</a:t>
-            </a:r>
-            <a:endParaRPr b="0" lang="en-US" sz="1800" spc="-1" strike="noStrike">
-              <a:latin typeface="Arial"/>
-            </a:endParaRPr>
-          </a:p>
-          <a:p>
-            <a:pPr lvl="1" marL="685800" indent="-227880">
-              <a:lnSpc>
-                <a:spcPct val="90000"/>
-              </a:lnSpc>
-              <a:spcBef>
-                <a:spcPts val="499"/>
-              </a:spcBef>
-              <a:buClr>
-                <a:srgbClr val="000000"/>
-              </a:buClr>
-              <a:buFont typeface="Arial"/>
-              <a:buChar char="•"/>
-            </a:pPr>
-            <a:r>
-              <a:rPr b="0" lang="en-US" sz="1800" spc="-1" strike="noStrike">
-                <a:solidFill>
-                  <a:srgbClr val="000000"/>
-                </a:solidFill>
-                <a:latin typeface="Arial"/>
-              </a:rPr>
-              <a:t>Bryan Snead, Texas Advanced Computing Center (</a:t>
-            </a:r>
-            <a:r>
-              <a:rPr b="0" lang="en-US" sz="1800" spc="-1" strike="noStrike" u="sng">
-                <a:solidFill>
-                  <a:srgbClr val="0000ff"/>
-                </a:solidFill>
-                <a:uFillTx/>
-                <a:latin typeface="Arial"/>
-                <a:hlinkClick r:id="rId5"/>
-              </a:rPr>
-              <a:t>jbsnead@tacc.utexas.edu</a:t>
-            </a:r>
-            <a:r>
-              <a:rPr b="0" lang="en-US" sz="1800" spc="-1" strike="noStrike">
-                <a:solidFill>
-                  <a:srgbClr val="000000"/>
-                </a:solidFill>
-                <a:latin typeface="Arial"/>
-              </a:rPr>
-              <a:t>)</a:t>
-            </a:r>
-            <a:endParaRPr b="0" lang="en-US" sz="1800" spc="-1" strike="noStrike">
-              <a:latin typeface="Arial"/>
-            </a:endParaRPr>
-          </a:p>
-        </p:txBody>
+        </p:txBody>
+      </p:sp>
+      <p:sp>
+        <p:nvSpPr>
+          <p:cNvPr id="129" name="TextShape 3"/>
+          <p:cNvSpPr txBox="1"/>
+          <p:nvPr/>
+        </p:nvSpPr>
+        <p:spPr>
+          <a:xfrm>
+            <a:off x="2229480" y="4127760"/>
+            <a:ext cx="180720" cy="346680"/>
+          </a:xfrm>
+          <a:prstGeom prst="rect">
+            <a:avLst/>
+          </a:prstGeom>
+          <a:noFill/>
+          <a:ln>
+            <a:noFill/>
+          </a:ln>
+        </p:spPr>
       </p:sp>
     </p:spTree>
   </p:cSld>
@@ -8849,7 +8727,7 @@
       </p:grpSpPr>
       <p:sp>
         <p:nvSpPr>
-          <p:cNvPr id="182" name="CustomShape 1"/>
+          <p:cNvPr id="183" name="CustomShape 1"/>
           <p:cNvSpPr/>
           <p:nvPr/>
         </p:nvSpPr>
@@ -8898,7 +8776,7 @@
       </p:sp>
       <p:sp>
         <p:nvSpPr>
-          <p:cNvPr id="183" name="CustomShape 2"/>
+          <p:cNvPr id="184" name="CustomShape 2"/>
           <p:cNvSpPr/>
           <p:nvPr/>
         </p:nvSpPr>
@@ -9082,7 +8960,7 @@
       </p:sp>
       <p:sp>
         <p:nvSpPr>
-          <p:cNvPr id="184" name="CustomShape 3"/>
+          <p:cNvPr id="185" name="CustomShape 3"/>
           <p:cNvSpPr/>
           <p:nvPr/>
         </p:nvSpPr>
@@ -9113,7 +8991,7 @@
                 <a:spcPct val="100000"/>
               </a:lnSpc>
             </a:pPr>
-            <a:fld id="{47332CA1-2774-4454-86E0-1665F5D27258}" type="slidenum">
+            <a:fld id="{591B785F-5CC8-4D5C-9A19-B861B8A700BB}" type="slidenum">
               <a:rPr b="0" lang="en-US" sz="900" spc="-1" strike="noStrike">
                 <a:solidFill>
                   <a:srgbClr val="ffffff"/>
@@ -9180,7 +9058,7 @@
       </p:grpSpPr>
       <p:sp>
         <p:nvSpPr>
-          <p:cNvPr id="185" name="CustomShape 1"/>
+          <p:cNvPr id="186" name="CustomShape 1"/>
           <p:cNvSpPr/>
           <p:nvPr/>
         </p:nvSpPr>
@@ -9229,7 +9107,7 @@
       </p:sp>
       <p:sp>
         <p:nvSpPr>
-          <p:cNvPr id="186" name="CustomShape 2"/>
+          <p:cNvPr id="187" name="CustomShape 2"/>
           <p:cNvSpPr/>
           <p:nvPr/>
         </p:nvSpPr>
@@ -9352,7 +9230,7 @@
       </p:sp>
       <p:sp>
         <p:nvSpPr>
-          <p:cNvPr id="187" name="CustomShape 3"/>
+          <p:cNvPr id="188" name="CustomShape 3"/>
           <p:cNvSpPr/>
           <p:nvPr/>
         </p:nvSpPr>
@@ -9383,7 +9261,7 @@
                 <a:spcPct val="100000"/>
               </a:lnSpc>
             </a:pPr>
-            <a:fld id="{2C33DFF0-BE88-418C-B370-4EE492E6EC74}" type="slidenum">
+            <a:fld id="{A9F11529-BF24-4BD5-8882-793951340318}" type="slidenum">
               <a:rPr b="0" lang="en-US" sz="900" spc="-1" strike="noStrike">
                 <a:solidFill>
                   <a:srgbClr val="ffffff"/>
@@ -9450,7 +9328,7 @@
       </p:grpSpPr>
       <p:sp>
         <p:nvSpPr>
-          <p:cNvPr id="188" name="CustomShape 1"/>
+          <p:cNvPr id="189" name="CustomShape 1"/>
           <p:cNvSpPr/>
           <p:nvPr/>
         </p:nvSpPr>
@@ -9499,7 +9377,7 @@
       </p:sp>
       <p:sp>
         <p:nvSpPr>
-          <p:cNvPr id="189" name="CustomShape 2"/>
+          <p:cNvPr id="190" name="CustomShape 2"/>
           <p:cNvSpPr/>
           <p:nvPr/>
         </p:nvSpPr>
@@ -9653,7 +9531,7 @@
       </p:sp>
       <p:sp>
         <p:nvSpPr>
-          <p:cNvPr id="190" name="CustomShape 3"/>
+          <p:cNvPr id="191" name="CustomShape 3"/>
           <p:cNvSpPr/>
           <p:nvPr/>
         </p:nvSpPr>
@@ -9684,7 +9562,7 @@
                 <a:spcPct val="100000"/>
               </a:lnSpc>
             </a:pPr>
-            <a:fld id="{6D171DC6-740E-4A89-95D0-F014BD4B5B0A}" type="slidenum">
+            <a:fld id="{6E449C98-08CC-4A4D-988F-3C6CE1AC8474}" type="slidenum">
               <a:rPr b="0" lang="en-US" sz="900" spc="-1" strike="noStrike">
                 <a:solidFill>
                   <a:srgbClr val="ffffff"/>
@@ -9751,7 +9629,7 @@
       </p:grpSpPr>
       <p:sp>
         <p:nvSpPr>
-          <p:cNvPr id="191" name="CustomShape 1"/>
+          <p:cNvPr id="192" name="CustomShape 1"/>
           <p:cNvSpPr/>
           <p:nvPr/>
         </p:nvSpPr>
@@ -9800,7 +9678,7 @@
       </p:sp>
       <p:sp>
         <p:nvSpPr>
-          <p:cNvPr id="192" name="CustomShape 2"/>
+          <p:cNvPr id="193" name="CustomShape 2"/>
           <p:cNvSpPr/>
           <p:nvPr/>
         </p:nvSpPr>
@@ -9954,7 +9832,7 @@
       </p:sp>
       <p:sp>
         <p:nvSpPr>
-          <p:cNvPr id="193" name="CustomShape 3"/>
+          <p:cNvPr id="194" name="CustomShape 3"/>
           <p:cNvSpPr/>
           <p:nvPr/>
         </p:nvSpPr>
@@ -9985,7 +9863,7 @@
                 <a:spcPct val="100000"/>
               </a:lnSpc>
             </a:pPr>
-            <a:fld id="{F133D975-552E-4341-9591-4A7E2E75425D}" type="slidenum">
+            <a:fld id="{94D3850B-7F9E-419C-A4F2-AE00FDBF241C}" type="slidenum">
               <a:rPr b="0" lang="en-US" sz="900" spc="-1" strike="noStrike">
                 <a:solidFill>
                   <a:srgbClr val="ffffff"/>
@@ -10052,7 +9930,7 @@
       </p:grpSpPr>
       <p:sp>
         <p:nvSpPr>
-          <p:cNvPr id="194" name="CustomShape 1"/>
+          <p:cNvPr id="195" name="CustomShape 1"/>
           <p:cNvSpPr/>
           <p:nvPr/>
         </p:nvSpPr>
@@ -10101,7 +9979,7 @@
       </p:sp>
       <p:sp>
         <p:nvSpPr>
-          <p:cNvPr id="195" name="CustomShape 2"/>
+          <p:cNvPr id="196" name="CustomShape 2"/>
           <p:cNvSpPr/>
           <p:nvPr/>
         </p:nvSpPr>
@@ -10227,7 +10105,7 @@
       </p:sp>
       <p:sp>
         <p:nvSpPr>
-          <p:cNvPr id="196" name="CustomShape 3"/>
+          <p:cNvPr id="197" name="CustomShape 3"/>
           <p:cNvSpPr/>
           <p:nvPr/>
         </p:nvSpPr>
@@ -10258,7 +10136,7 @@
                 <a:spcPct val="100000"/>
               </a:lnSpc>
             </a:pPr>
-            <a:fld id="{3AFED9B1-7ED3-418C-87E4-B625200A8394}" type="slidenum">
+            <a:fld id="{469C3DAB-7A83-4DB7-A5C2-6DE22FB6C195}" type="slidenum">
               <a:rPr b="0" lang="en-US" sz="900" spc="-1" strike="noStrike">
                 <a:solidFill>
                   <a:srgbClr val="ffffff"/>
@@ -10325,7 +10203,7 @@
       </p:grpSpPr>
       <p:sp>
         <p:nvSpPr>
-          <p:cNvPr id="197" name="CustomShape 1"/>
+          <p:cNvPr id="198" name="CustomShape 1"/>
           <p:cNvSpPr/>
           <p:nvPr/>
         </p:nvSpPr>
@@ -10374,7 +10252,7 @@
       </p:sp>
       <p:sp>
         <p:nvSpPr>
-          <p:cNvPr id="198" name="CustomShape 2"/>
+          <p:cNvPr id="199" name="CustomShape 2"/>
           <p:cNvSpPr/>
           <p:nvPr/>
         </p:nvSpPr>
@@ -10556,7 +10434,7 @@
       </p:sp>
       <p:sp>
         <p:nvSpPr>
-          <p:cNvPr id="199" name="CustomShape 3"/>
+          <p:cNvPr id="200" name="CustomShape 3"/>
           <p:cNvSpPr/>
           <p:nvPr/>
         </p:nvSpPr>
@@ -10587,7 +10465,7 @@
                 <a:spcPct val="100000"/>
               </a:lnSpc>
             </a:pPr>
-            <a:fld id="{B2725EDA-CF95-4CFB-8671-9D1DE6CFF887}" type="slidenum">
+            <a:fld id="{2A3BEE42-F446-4B61-81BF-CECE9672BD19}" type="slidenum">
               <a:rPr b="0" lang="en-US" sz="900" spc="-1" strike="noStrike">
                 <a:solidFill>
                   <a:srgbClr val="ffffff"/>
@@ -10654,7 +10532,7 @@
       </p:grpSpPr>
       <p:sp>
         <p:nvSpPr>
-          <p:cNvPr id="200" name="CustomShape 1"/>
+          <p:cNvPr id="201" name="CustomShape 1"/>
           <p:cNvSpPr/>
           <p:nvPr/>
         </p:nvSpPr>
@@ -10724,7 +10602,7 @@
       </p:sp>
       <p:sp>
         <p:nvSpPr>
-          <p:cNvPr id="201" name="CustomShape 2"/>
+          <p:cNvPr id="202" name="CustomShape 2"/>
           <p:cNvSpPr/>
           <p:nvPr/>
         </p:nvSpPr>
@@ -10755,7 +10633,7 @@
                 <a:spcPct val="100000"/>
               </a:lnSpc>
             </a:pPr>
-            <a:fld id="{E60D55BC-83A2-4A4E-B44C-9E0066B584EB}" type="slidenum">
+            <a:fld id="{E1D01A57-EA64-47CC-8A0B-FB21C55ACCDD}" type="slidenum">
               <a:rPr b="0" lang="en-US" sz="900" spc="-1" strike="noStrike">
                 <a:solidFill>
                   <a:srgbClr val="ffffff"/>
@@ -10773,7 +10651,7 @@
       </p:sp>
       <p:sp>
         <p:nvSpPr>
-          <p:cNvPr id="202" name="CustomShape 3"/>
+          <p:cNvPr id="203" name="CustomShape 3"/>
           <p:cNvSpPr/>
           <p:nvPr/>
         </p:nvSpPr>
@@ -10958,7 +10836,7 @@
       </p:grpSpPr>
       <p:sp>
         <p:nvSpPr>
-          <p:cNvPr id="129" name="CustomShape 1"/>
+          <p:cNvPr id="130" name="CustomShape 1"/>
           <p:cNvSpPr/>
           <p:nvPr/>
         </p:nvSpPr>
@@ -11007,7 +10885,7 @@
       </p:sp>
       <p:sp>
         <p:nvSpPr>
-          <p:cNvPr id="130" name="CustomShape 2"/>
+          <p:cNvPr id="131" name="CustomShape 2"/>
           <p:cNvSpPr/>
           <p:nvPr/>
         </p:nvSpPr>
@@ -11294,7 +11172,7 @@
       </p:sp>
       <p:sp>
         <p:nvSpPr>
-          <p:cNvPr id="131" name="CustomShape 3"/>
+          <p:cNvPr id="132" name="CustomShape 3"/>
           <p:cNvSpPr/>
           <p:nvPr/>
         </p:nvSpPr>
@@ -11325,7 +11203,7 @@
                 <a:spcPct val="100000"/>
               </a:lnSpc>
             </a:pPr>
-            <a:fld id="{B42FBEEE-25B3-494A-B7DC-6940E452BCFA}" type="slidenum">
+            <a:fld id="{41EADD8E-FBB2-45E0-BBF1-60E87A233654}" type="slidenum">
               <a:rPr b="0" lang="en-US" sz="900" spc="-1" strike="noStrike">
                 <a:solidFill>
                   <a:srgbClr val="ffffff"/>
@@ -11333,7 +11211,7 @@
                 <a:latin typeface="Arial"/>
                 <a:ea typeface="Arial"/>
               </a:rPr>
-              <a:t>&lt;number&gt;</a:t>
+              <a:t>1</a:t>
             </a:fld>
             <a:endParaRPr b="0" lang="en-US" sz="900" spc="-1" strike="noStrike">
               <a:latin typeface="Arial"/>
@@ -11392,7 +11270,7 @@
       </p:grpSpPr>
       <p:sp>
         <p:nvSpPr>
-          <p:cNvPr id="132" name="CustomShape 1"/>
+          <p:cNvPr id="133" name="CustomShape 1"/>
           <p:cNvSpPr/>
           <p:nvPr/>
         </p:nvSpPr>
@@ -11441,7 +11319,7 @@
       </p:sp>
       <p:sp>
         <p:nvSpPr>
-          <p:cNvPr id="133" name="CustomShape 2"/>
+          <p:cNvPr id="134" name="CustomShape 2"/>
           <p:cNvSpPr/>
           <p:nvPr/>
         </p:nvSpPr>
@@ -11577,7 +11455,7 @@
       </p:sp>
       <p:sp>
         <p:nvSpPr>
-          <p:cNvPr id="134" name="CustomShape 3"/>
+          <p:cNvPr id="135" name="CustomShape 3"/>
           <p:cNvSpPr/>
           <p:nvPr/>
         </p:nvSpPr>
@@ -11608,7 +11486,7 @@
                 <a:spcPct val="100000"/>
               </a:lnSpc>
             </a:pPr>
-            <a:fld id="{7807C1D5-4806-42ED-8234-B0FC5D592363}" type="slidenum">
+            <a:fld id="{5C40CAEF-C888-4685-AB9B-41E616C1206A}" type="slidenum">
               <a:rPr b="0" lang="en-US" sz="900" spc="-1" strike="noStrike">
                 <a:solidFill>
                   <a:srgbClr val="ffffff"/>
@@ -11616,7 +11494,7 @@
                 <a:latin typeface="Arial"/>
                 <a:ea typeface="Arial"/>
               </a:rPr>
-              <a:t>&lt;number&gt;</a:t>
+              <a:t>1</a:t>
             </a:fld>
             <a:endParaRPr b="0" lang="en-US" sz="900" spc="-1" strike="noStrike">
               <a:latin typeface="Arial"/>
@@ -11626,7 +11504,7 @@
       </p:sp>
       <p:pic>
         <p:nvPicPr>
-          <p:cNvPr id="135" name="" descr=""/>
+          <p:cNvPr id="136" name="" descr=""/>
           <p:cNvPicPr/>
           <p:nvPr/>
         </p:nvPicPr>
@@ -11698,7 +11576,7 @@
       </p:grpSpPr>
       <p:sp>
         <p:nvSpPr>
-          <p:cNvPr id="136" name="CustomShape 1"/>
+          <p:cNvPr id="137" name="CustomShape 1"/>
           <p:cNvSpPr/>
           <p:nvPr/>
         </p:nvSpPr>
@@ -11747,7 +11625,7 @@
       </p:sp>
       <p:sp>
         <p:nvSpPr>
-          <p:cNvPr id="137" name="CustomShape 2"/>
+          <p:cNvPr id="138" name="CustomShape 2"/>
           <p:cNvSpPr/>
           <p:nvPr/>
         </p:nvSpPr>
@@ -11868,7 +11746,7 @@
       </p:sp>
       <p:sp>
         <p:nvSpPr>
-          <p:cNvPr id="138" name="CustomShape 3"/>
+          <p:cNvPr id="139" name="CustomShape 3"/>
           <p:cNvSpPr/>
           <p:nvPr/>
         </p:nvSpPr>
@@ -11899,7 +11777,7 @@
                 <a:spcPct val="100000"/>
               </a:lnSpc>
             </a:pPr>
-            <a:fld id="{C3AB6D15-E81D-499C-BAC6-600FBB4A4921}" type="slidenum">
+            <a:fld id="{C7C1809E-CD44-480C-8D4E-9A9BF1E32328}" type="slidenum">
               <a:rPr b="0" lang="en-US" sz="900" spc="-1" strike="noStrike">
                 <a:solidFill>
                   <a:srgbClr val="ffffff"/>
@@ -11966,7 +11844,7 @@
       </p:grpSpPr>
       <p:sp>
         <p:nvSpPr>
-          <p:cNvPr id="139" name="CustomShape 1"/>
+          <p:cNvPr id="140" name="CustomShape 1"/>
           <p:cNvSpPr/>
           <p:nvPr/>
         </p:nvSpPr>
@@ -12015,7 +11893,7 @@
       </p:sp>
       <p:sp>
         <p:nvSpPr>
-          <p:cNvPr id="140" name="CustomShape 2"/>
+          <p:cNvPr id="141" name="CustomShape 2"/>
           <p:cNvSpPr/>
           <p:nvPr/>
         </p:nvSpPr>
@@ -12229,7 +12107,7 @@
       </p:sp>
       <p:sp>
         <p:nvSpPr>
-          <p:cNvPr id="141" name="CustomShape 3"/>
+          <p:cNvPr id="142" name="CustomShape 3"/>
           <p:cNvSpPr/>
           <p:nvPr/>
         </p:nvSpPr>
@@ -12260,7 +12138,7 @@
                 <a:spcPct val="100000"/>
               </a:lnSpc>
             </a:pPr>
-            <a:fld id="{2F6C4D99-B810-4179-BA8B-8DC9394C61D4}" type="slidenum">
+            <a:fld id="{38AF5281-C2AE-48BC-8B58-DCCAB5408330}" type="slidenum">
               <a:rPr b="0" lang="en-US" sz="900" spc="-1" strike="noStrike">
                 <a:solidFill>
                   <a:srgbClr val="ffffff"/>
@@ -12327,7 +12205,7 @@
       </p:grpSpPr>
       <p:sp>
         <p:nvSpPr>
-          <p:cNvPr id="142" name="CustomShape 1"/>
+          <p:cNvPr id="143" name="CustomShape 1"/>
           <p:cNvSpPr/>
           <p:nvPr/>
         </p:nvSpPr>
@@ -12376,7 +12254,7 @@
       </p:sp>
       <p:sp>
         <p:nvSpPr>
-          <p:cNvPr id="143" name="CustomShape 2"/>
+          <p:cNvPr id="144" name="CustomShape 2"/>
           <p:cNvSpPr/>
           <p:nvPr/>
         </p:nvSpPr>
@@ -12502,7 +12380,7 @@
       </p:sp>
       <p:sp>
         <p:nvSpPr>
-          <p:cNvPr id="144" name="CustomShape 3"/>
+          <p:cNvPr id="145" name="CustomShape 3"/>
           <p:cNvSpPr/>
           <p:nvPr/>
         </p:nvSpPr>
@@ -12533,7 +12411,7 @@
                 <a:spcPct val="100000"/>
               </a:lnSpc>
             </a:pPr>
-            <a:fld id="{34773E1A-2059-40AD-B475-5265290FE7F3}" type="slidenum">
+            <a:fld id="{C5E3C311-C1D6-49A3-8530-421D7E48A4A7}" type="slidenum">
               <a:rPr b="0" lang="en-US" sz="900" spc="-1" strike="noStrike">
                 <a:solidFill>
                   <a:srgbClr val="ffffff"/>
@@ -12600,7 +12478,7 @@
       </p:grpSpPr>
       <p:sp>
         <p:nvSpPr>
-          <p:cNvPr id="145" name="CustomShape 1"/>
+          <p:cNvPr id="146" name="CustomShape 1"/>
           <p:cNvSpPr/>
           <p:nvPr/>
         </p:nvSpPr>
@@ -12649,7 +12527,7 @@
       </p:sp>
       <p:sp>
         <p:nvSpPr>
-          <p:cNvPr id="146" name="CustomShape 2"/>
+          <p:cNvPr id="147" name="CustomShape 2"/>
           <p:cNvSpPr/>
           <p:nvPr/>
         </p:nvSpPr>
@@ -12848,7 +12726,7 @@
       </p:sp>
       <p:sp>
         <p:nvSpPr>
-          <p:cNvPr id="147" name="CustomShape 3"/>
+          <p:cNvPr id="148" name="CustomShape 3"/>
           <p:cNvSpPr/>
           <p:nvPr/>
         </p:nvSpPr>
@@ -12879,7 +12757,7 @@
                 <a:spcPct val="100000"/>
               </a:lnSpc>
             </a:pPr>
-            <a:fld id="{0F54CFBA-7904-4DD0-92CF-1058086FE591}" type="slidenum">
+            <a:fld id="{92A36D11-87DF-4082-B64F-FBED3B2EBDA5}" type="slidenum">
               <a:rPr b="0" lang="en-US" sz="900" spc="-1" strike="noStrike">
                 <a:solidFill>
                   <a:srgbClr val="ffffff"/>
@@ -12897,7 +12775,7 @@
       </p:sp>
       <p:sp>
         <p:nvSpPr>
-          <p:cNvPr id="148" name="CustomShape 4"/>
+          <p:cNvPr id="149" name="CustomShape 4"/>
           <p:cNvSpPr/>
           <p:nvPr/>
         </p:nvSpPr>
@@ -13099,7 +12977,7 @@
       </p:grpSpPr>
       <p:sp>
         <p:nvSpPr>
-          <p:cNvPr id="149" name="CustomShape 1"/>
+          <p:cNvPr id="150" name="CustomShape 1"/>
           <p:cNvSpPr/>
           <p:nvPr/>
         </p:nvSpPr>
@@ -13148,7 +13026,7 @@
       </p:sp>
       <p:sp>
         <p:nvSpPr>
-          <p:cNvPr id="150" name="CustomShape 2"/>
+          <p:cNvPr id="151" name="CustomShape 2"/>
           <p:cNvSpPr/>
           <p:nvPr/>
         </p:nvSpPr>
@@ -13379,7 +13257,7 @@
       </p:sp>
       <p:sp>
         <p:nvSpPr>
-          <p:cNvPr id="151" name="CustomShape 3"/>
+          <p:cNvPr id="152" name="CustomShape 3"/>
           <p:cNvSpPr/>
           <p:nvPr/>
         </p:nvSpPr>
@@ -13410,7 +13288,7 @@
                 <a:spcPct val="100000"/>
               </a:lnSpc>
             </a:pPr>
-            <a:fld id="{B3B95578-50FC-4F18-A988-4FF87BD316ED}" type="slidenum">
+            <a:fld id="{0F856990-3303-4DA2-926B-EDF0FA757BAD}" type="slidenum">
               <a:rPr b="0" lang="en-US" sz="900" spc="-1" strike="noStrike">
                 <a:solidFill>
                   <a:srgbClr val="ffffff"/>
